--- a/docs/file/프로젝트 이미지 크기.pptx
+++ b/docs/file/프로젝트 이미지 크기.pptx
@@ -270,7 +270,7 @@
           <a:p>
             <a:fld id="{ECD0DB4D-EC9E-4025-9E2B-CE53BA577335}" type="datetimeFigureOut">
               <a:rPr lang="ko-KR" altLang="en-US" smtClean="0"/>
-              <a:t>2022-09-23</a:t>
+              <a:t>2022-09-29</a:t>
             </a:fld>
             <a:endParaRPr lang="ko-KR" altLang="en-US"/>
           </a:p>
@@ -468,7 +468,7 @@
           <a:p>
             <a:fld id="{ECD0DB4D-EC9E-4025-9E2B-CE53BA577335}" type="datetimeFigureOut">
               <a:rPr lang="ko-KR" altLang="en-US" smtClean="0"/>
-              <a:t>2022-09-23</a:t>
+              <a:t>2022-09-29</a:t>
             </a:fld>
             <a:endParaRPr lang="ko-KR" altLang="en-US"/>
           </a:p>
@@ -676,7 +676,7 @@
           <a:p>
             <a:fld id="{ECD0DB4D-EC9E-4025-9E2B-CE53BA577335}" type="datetimeFigureOut">
               <a:rPr lang="ko-KR" altLang="en-US" smtClean="0"/>
-              <a:t>2022-09-23</a:t>
+              <a:t>2022-09-29</a:t>
             </a:fld>
             <a:endParaRPr lang="ko-KR" altLang="en-US"/>
           </a:p>
@@ -874,7 +874,7 @@
           <a:p>
             <a:fld id="{ECD0DB4D-EC9E-4025-9E2B-CE53BA577335}" type="datetimeFigureOut">
               <a:rPr lang="ko-KR" altLang="en-US" smtClean="0"/>
-              <a:t>2022-09-23</a:t>
+              <a:t>2022-09-29</a:t>
             </a:fld>
             <a:endParaRPr lang="ko-KR" altLang="en-US"/>
           </a:p>
@@ -1149,7 +1149,7 @@
           <a:p>
             <a:fld id="{ECD0DB4D-EC9E-4025-9E2B-CE53BA577335}" type="datetimeFigureOut">
               <a:rPr lang="ko-KR" altLang="en-US" smtClean="0"/>
-              <a:t>2022-09-23</a:t>
+              <a:t>2022-09-29</a:t>
             </a:fld>
             <a:endParaRPr lang="ko-KR" altLang="en-US"/>
           </a:p>
@@ -1414,7 +1414,7 @@
           <a:p>
             <a:fld id="{ECD0DB4D-EC9E-4025-9E2B-CE53BA577335}" type="datetimeFigureOut">
               <a:rPr lang="ko-KR" altLang="en-US" smtClean="0"/>
-              <a:t>2022-09-23</a:t>
+              <a:t>2022-09-29</a:t>
             </a:fld>
             <a:endParaRPr lang="ko-KR" altLang="en-US"/>
           </a:p>
@@ -1826,7 +1826,7 @@
           <a:p>
             <a:fld id="{ECD0DB4D-EC9E-4025-9E2B-CE53BA577335}" type="datetimeFigureOut">
               <a:rPr lang="ko-KR" altLang="en-US" smtClean="0"/>
-              <a:t>2022-09-23</a:t>
+              <a:t>2022-09-29</a:t>
             </a:fld>
             <a:endParaRPr lang="ko-KR" altLang="en-US"/>
           </a:p>
@@ -1967,7 +1967,7 @@
           <a:p>
             <a:fld id="{ECD0DB4D-EC9E-4025-9E2B-CE53BA577335}" type="datetimeFigureOut">
               <a:rPr lang="ko-KR" altLang="en-US" smtClean="0"/>
-              <a:t>2022-09-23</a:t>
+              <a:t>2022-09-29</a:t>
             </a:fld>
             <a:endParaRPr lang="ko-KR" altLang="en-US"/>
           </a:p>
@@ -2080,7 +2080,7 @@
           <a:p>
             <a:fld id="{ECD0DB4D-EC9E-4025-9E2B-CE53BA577335}" type="datetimeFigureOut">
               <a:rPr lang="ko-KR" altLang="en-US" smtClean="0"/>
-              <a:t>2022-09-23</a:t>
+              <a:t>2022-09-29</a:t>
             </a:fld>
             <a:endParaRPr lang="ko-KR" altLang="en-US"/>
           </a:p>
@@ -2391,7 +2391,7 @@
           <a:p>
             <a:fld id="{ECD0DB4D-EC9E-4025-9E2B-CE53BA577335}" type="datetimeFigureOut">
               <a:rPr lang="ko-KR" altLang="en-US" smtClean="0"/>
-              <a:t>2022-09-23</a:t>
+              <a:t>2022-09-29</a:t>
             </a:fld>
             <a:endParaRPr lang="ko-KR" altLang="en-US"/>
           </a:p>
@@ -2679,7 +2679,7 @@
           <a:p>
             <a:fld id="{ECD0DB4D-EC9E-4025-9E2B-CE53BA577335}" type="datetimeFigureOut">
               <a:rPr lang="ko-KR" altLang="en-US" smtClean="0"/>
-              <a:t>2022-09-23</a:t>
+              <a:t>2022-09-29</a:t>
             </a:fld>
             <a:endParaRPr lang="ko-KR" altLang="en-US"/>
           </a:p>
@@ -2920,7 +2920,7 @@
           <a:p>
             <a:fld id="{ECD0DB4D-EC9E-4025-9E2B-CE53BA577335}" type="datetimeFigureOut">
               <a:rPr lang="ko-KR" altLang="en-US" smtClean="0"/>
-              <a:t>2022-09-23</a:t>
+              <a:t>2022-09-29</a:t>
             </a:fld>
             <a:endParaRPr lang="ko-KR" altLang="en-US"/>
           </a:p>
